--- a/_PowerPoints/1st Semester/Unit 3 Logarithms/PreCalc_Day_027 Quiz and Test Review.pptx
+++ b/_PowerPoints/1st Semester/Unit 3 Logarithms/PreCalc_Day_027 Quiz and Test Review.pptx
@@ -289,7 +289,7 @@
             <a:fld id="{87DE6118-2437-4B30-8E3C-4D2BE6020583}" type="datetimeFigureOut">
               <a:rPr lang="en-US" dirty="0"/>
               <a:pPr/>
-              <a:t>11/8/2017</a:t>
+              <a:t>11/13/2018</a:t>
             </a:fld>
             <a:endParaRPr lang="en-US" dirty="0"/>
           </a:p>
@@ -615,7 +615,7 @@
           <a:p>
             <a:fld id="{87DE6118-2437-4B30-8E3C-4D2BE6020583}" type="datetimeFigureOut">
               <a:rPr lang="en-US" dirty="0"/>
-              <a:t>11/8/2017</a:t>
+              <a:t>11/13/2018</a:t>
             </a:fld>
             <a:endParaRPr lang="en-US" dirty="0"/>
           </a:p>
@@ -790,7 +790,7 @@
           <a:p>
             <a:fld id="{87DE6118-2437-4B30-8E3C-4D2BE6020583}" type="datetimeFigureOut">
               <a:rPr lang="en-US" dirty="0"/>
-              <a:t>11/8/2017</a:t>
+              <a:t>11/13/2018</a:t>
             </a:fld>
             <a:endParaRPr lang="en-US" dirty="0"/>
           </a:p>
@@ -955,7 +955,7 @@
           <a:p>
             <a:fld id="{87DE6118-2437-4B30-8E3C-4D2BE6020583}" type="datetimeFigureOut">
               <a:rPr lang="en-US" dirty="0"/>
-              <a:t>11/8/2017</a:t>
+              <a:t>11/13/2018</a:t>
             </a:fld>
             <a:endParaRPr lang="en-US" dirty="0"/>
           </a:p>
@@ -1228,7 +1228,7 @@
             <a:fld id="{87DE6118-2437-4B30-8E3C-4D2BE6020583}" type="datetimeFigureOut">
               <a:rPr lang="en-US" dirty="0"/>
               <a:pPr/>
-              <a:t>11/8/2017</a:t>
+              <a:t>11/13/2018</a:t>
             </a:fld>
             <a:endParaRPr lang="en-US" dirty="0"/>
           </a:p>
@@ -1618,7 +1618,7 @@
           <a:p>
             <a:fld id="{87DE6118-2437-4B30-8E3C-4D2BE6020583}" type="datetimeFigureOut">
               <a:rPr lang="en-US" dirty="0"/>
-              <a:t>11/8/2017</a:t>
+              <a:t>11/13/2018</a:t>
             </a:fld>
             <a:endParaRPr lang="en-US" dirty="0"/>
           </a:p>
@@ -2090,7 +2090,7 @@
           <a:p>
             <a:fld id="{87DE6118-2437-4B30-8E3C-4D2BE6020583}" type="datetimeFigureOut">
               <a:rPr lang="en-US" dirty="0"/>
-              <a:t>11/8/2017</a:t>
+              <a:t>11/13/2018</a:t>
             </a:fld>
             <a:endParaRPr lang="en-US" dirty="0"/>
           </a:p>
@@ -2203,7 +2203,7 @@
           <a:p>
             <a:fld id="{87DE6118-2437-4B30-8E3C-4D2BE6020583}" type="datetimeFigureOut">
               <a:rPr lang="en-US" dirty="0"/>
-              <a:t>11/8/2017</a:t>
+              <a:t>11/13/2018</a:t>
             </a:fld>
             <a:endParaRPr lang="en-US" dirty="0"/>
           </a:p>
@@ -2293,7 +2293,7 @@
           <a:p>
             <a:fld id="{87DE6118-2437-4B30-8E3C-4D2BE6020583}" type="datetimeFigureOut">
               <a:rPr lang="en-US" dirty="0"/>
-              <a:t>11/8/2017</a:t>
+              <a:t>11/13/2018</a:t>
             </a:fld>
             <a:endParaRPr lang="en-US" dirty="0"/>
           </a:p>
@@ -2635,7 +2635,7 @@
             <a:fld id="{87DE6118-2437-4B30-8E3C-4D2BE6020583}" type="datetimeFigureOut">
               <a:rPr lang="en-US" dirty="0"/>
               <a:pPr/>
-              <a:t>11/8/2017</a:t>
+              <a:t>11/13/2018</a:t>
             </a:fld>
             <a:endParaRPr lang="en-US" dirty="0"/>
           </a:p>
@@ -3020,7 +3020,7 @@
             <a:fld id="{87DE6118-2437-4B30-8E3C-4D2BE6020583}" type="datetimeFigureOut">
               <a:rPr lang="en-US" dirty="0"/>
               <a:pPr/>
-              <a:t>11/8/2017</a:t>
+              <a:t>11/13/2018</a:t>
             </a:fld>
             <a:endParaRPr lang="en-US" dirty="0"/>
           </a:p>
@@ -3295,7 +3295,7 @@
             <a:fld id="{87DE6118-2437-4B30-8E3C-4D2BE6020583}" type="datetimeFigureOut">
               <a:rPr lang="en-US" dirty="0"/>
               <a:pPr/>
-              <a:t>11/8/2017</a:t>
+              <a:t>11/13/2018</a:t>
             </a:fld>
             <a:endParaRPr lang="en-US" dirty="0"/>
           </a:p>
@@ -5282,11 +5282,7 @@
           <a:p>
             <a:r>
               <a:rPr lang="en-US" b="1" u="sng" dirty="0" smtClean="0"/>
-              <a:t>Quiz 1 Level 4: </a:t>
-            </a:r>
-            <a:r>
-              <a:rPr lang="en-US" b="1" u="sng" dirty="0" smtClean="0"/>
-              <a:t>Solve the Following</a:t>
+              <a:t>Quiz 1 Level 4: Solve the Following</a:t>
             </a:r>
             <a:endParaRPr lang="en-US" dirty="0"/>
           </a:p>
@@ -5337,10 +5333,10 @@
               <a:buNone/>
             </a:pPr>
             <a:r>
-              <a:rPr lang="en-US" sz="3200" dirty="0" smtClean="0"/>
+              <a:rPr lang="en-US" sz="3200" strike="sngStrike" dirty="0" smtClean="0"/>
               <a:t>Would it be a better or worse idea to invest your $3000 into an account that pays 6.15% compounded continuously? Why? </a:t>
             </a:r>
-            <a:endParaRPr lang="en-US" sz="3200" dirty="0"/>
+            <a:endParaRPr lang="en-US" sz="3200" strike="sngStrike" dirty="0"/>
           </a:p>
           <a:p>
             <a:pPr marL="0" indent="0">
